--- a/folyamatmodellezes/figures/vezerlesi-folyamat.pptx
+++ b/folyamatmodellezes/figures/vezerlesi-folyamat.pptx
@@ -6226,169 +6226,6 @@
               <a:latin typeface="Courier New" panose="02070309020205020404" pitchFamily="49" charset="0"/>
               <a:cs typeface="Courier New" panose="02070309020205020404" pitchFamily="49" charset="0"/>
             </a:endParaRPr>
-          </a:p>
-        </p:txBody>
-      </p:sp>
-      <p:sp>
-        <p:nvSpPr>
-          <p:cNvPr id="63" name="Rounded Rectangular Callout 11"/>
-          <p:cNvSpPr/>
-          <p:nvPr/>
-        </p:nvSpPr>
-        <p:spPr>
-          <a:xfrm>
-            <a:off x="5358216" y="780194"/>
-            <a:ext cx="3535527" cy="899975"/>
-          </a:xfrm>
-          <a:prstGeom prst="wedgeRoundRectCallout">
-            <a:avLst>
-              <a:gd name="adj1" fmla="val -54053"/>
-              <a:gd name="adj2" fmla="val -32223"/>
-              <a:gd name="adj3" fmla="val 16667"/>
-            </a:avLst>
-          </a:prstGeom>
-          <a:noFill/>
-          <a:ln w="38100">
-            <a:solidFill>
-              <a:schemeClr val="tx1"/>
-            </a:solidFill>
-          </a:ln>
-          <a:effectLst/>
-        </p:spPr>
-        <p:style>
-          <a:lnRef idx="2">
-            <a:schemeClr val="accent4">
-              <a:shade val="50000"/>
-            </a:schemeClr>
-          </a:lnRef>
-          <a:fillRef idx="1">
-            <a:schemeClr val="accent4"/>
-          </a:fillRef>
-          <a:effectRef idx="0">
-            <a:schemeClr val="accent4"/>
-          </a:effectRef>
-          <a:fontRef idx="minor">
-            <a:schemeClr val="lt1"/>
-          </a:fontRef>
-        </p:style>
-        <p:txBody>
-          <a:bodyPr rtlCol="0" anchor="ctr"/>
-          <a:lstStyle/>
-          <a:p>
-            <a:pPr algn="ctr"/>
-            <a:r>
-              <a:rPr lang="hu-HU" sz="2400" dirty="0" err="1" smtClean="0">
-                <a:solidFill>
-                  <a:schemeClr val="tx1"/>
-                </a:solidFill>
-              </a:rPr>
-              <a:t>Ciklomatikus</a:t>
-            </a:r>
-            <a:r>
-              <a:rPr lang="hu-HU" sz="2400" dirty="0" smtClean="0">
-                <a:solidFill>
-                  <a:schemeClr val="tx1"/>
-                </a:solidFill>
-              </a:rPr>
-              <a:t> komplexitás</a:t>
-            </a:r>
-            <a:br>
-              <a:rPr lang="hu-HU" sz="2400" dirty="0" smtClean="0">
-                <a:solidFill>
-                  <a:schemeClr val="tx1"/>
-                </a:solidFill>
-              </a:rPr>
-            </a:br>
-            <a:r>
-              <a:rPr lang="hu-HU" sz="2400" i="1" dirty="0" smtClean="0">
-                <a:solidFill>
-                  <a:schemeClr val="tx1"/>
-                </a:solidFill>
-                <a:latin typeface="Cambria" panose="02040503050406030204" pitchFamily="18" charset="0"/>
-                <a:ea typeface="Cambria Math" panose="02040503050406030204" pitchFamily="18" charset="0"/>
-              </a:rPr>
-              <a:t>M</a:t>
-            </a:r>
-            <a:r>
-              <a:rPr lang="hu-HU" sz="2400" dirty="0" smtClean="0">
-                <a:solidFill>
-                  <a:schemeClr val="tx1"/>
-                </a:solidFill>
-                <a:latin typeface="Cambria" panose="02040503050406030204" pitchFamily="18" charset="0"/>
-                <a:ea typeface="Cambria Math" panose="02040503050406030204" pitchFamily="18" charset="0"/>
-              </a:rPr>
-              <a:t> = </a:t>
-            </a:r>
-            <a:r>
-              <a:rPr lang="hu-HU" sz="2400" i="1" dirty="0" smtClean="0">
-                <a:solidFill>
-                  <a:schemeClr val="accent2"/>
-                </a:solidFill>
-                <a:latin typeface="Cambria" panose="02040503050406030204" pitchFamily="18" charset="0"/>
-                <a:ea typeface="Cambria Math" panose="02040503050406030204" pitchFamily="18" charset="0"/>
-              </a:rPr>
-              <a:t>E</a:t>
-            </a:r>
-            <a:r>
-              <a:rPr lang="hu-HU" sz="2400" dirty="0" smtClean="0">
-                <a:solidFill>
-                  <a:schemeClr val="bg1"/>
-                </a:solidFill>
-                <a:latin typeface="Cambria" panose="02040503050406030204" pitchFamily="18" charset="0"/>
-                <a:ea typeface="Cambria Math" panose="02040503050406030204" pitchFamily="18" charset="0"/>
-              </a:rPr>
-              <a:t> </a:t>
-            </a:r>
-            <a:r>
-              <a:rPr lang="hu-HU" sz="2400" dirty="0" smtClean="0">
-                <a:solidFill>
-                  <a:schemeClr val="tx1"/>
-                </a:solidFill>
-                <a:latin typeface="Cambria" panose="02040503050406030204" pitchFamily="18" charset="0"/>
-                <a:ea typeface="Cambria Math" panose="02040503050406030204" pitchFamily="18" charset="0"/>
-              </a:rPr>
-              <a:t>–</a:t>
-            </a:r>
-            <a:r>
-              <a:rPr lang="hu-HU" sz="2400" dirty="0" smtClean="0">
-                <a:solidFill>
-                  <a:schemeClr val="bg1"/>
-                </a:solidFill>
-                <a:latin typeface="Cambria" panose="02040503050406030204" pitchFamily="18" charset="0"/>
-                <a:ea typeface="Cambria Math" panose="02040503050406030204" pitchFamily="18" charset="0"/>
-              </a:rPr>
-              <a:t> </a:t>
-            </a:r>
-            <a:r>
-              <a:rPr lang="hu-HU" sz="2400" i="1" dirty="0" smtClean="0">
-                <a:solidFill>
-                  <a:schemeClr val="accent5"/>
-                </a:solidFill>
-                <a:latin typeface="Cambria" panose="02040503050406030204" pitchFamily="18" charset="0"/>
-                <a:ea typeface="Cambria Math" panose="02040503050406030204" pitchFamily="18" charset="0"/>
-              </a:rPr>
-              <a:t>N</a:t>
-            </a:r>
-            <a:r>
-              <a:rPr lang="hu-HU" sz="2400" dirty="0" smtClean="0">
-                <a:solidFill>
-                  <a:schemeClr val="bg1"/>
-                </a:solidFill>
-                <a:latin typeface="Cambria" panose="02040503050406030204" pitchFamily="18" charset="0"/>
-                <a:ea typeface="Cambria Math" panose="02040503050406030204" pitchFamily="18" charset="0"/>
-              </a:rPr>
-              <a:t> </a:t>
-            </a:r>
-            <a:r>
-              <a:rPr lang="hu-HU" sz="2400" dirty="0" smtClean="0">
-                <a:solidFill>
-                  <a:schemeClr val="tx1"/>
-                </a:solidFill>
-                <a:latin typeface="Cambria" panose="02040503050406030204" pitchFamily="18" charset="0"/>
-                <a:ea typeface="Cambria Math" panose="02040503050406030204" pitchFamily="18" charset="0"/>
-              </a:rPr>
-              <a:t>+ 2</a:t>
-            </a:r>
           </a:p>
         </p:txBody>
       </p:sp>

--- a/folyamatmodellezes/figures/vezerlesi-folyamat.pptx
+++ b/folyamatmodellezes/figures/vezerlesi-folyamat.pptx
@@ -223,7 +223,7 @@
             <a:fld id="{B9130191-0BE1-0142-AFC1-0297AE024A0E}" type="datetimeFigureOut">
               <a:rPr lang="en-US" smtClean="0"/>
               <a:pPr/>
-              <a:t>3/14/2016</a:t>
+              <a:t>3/28/2016</a:t>
             </a:fld>
             <a:endParaRPr lang="en-US"/>
           </a:p>
@@ -10241,7 +10241,27 @@
                 <a:latin typeface="Courier New" panose="02070309020205020404" pitchFamily="49" charset="0"/>
                 <a:cs typeface="Courier New" panose="02070309020205020404" pitchFamily="49" charset="0"/>
               </a:rPr>
-              <a:t> a ≠ </a:t>
+              <a:t> </a:t>
+            </a:r>
+            <a:r>
+              <a:rPr lang="hu-HU" sz="2400" i="1" dirty="0" smtClean="0">
+                <a:solidFill>
+                  <a:schemeClr val="tx1"/>
+                </a:solidFill>
+                <a:latin typeface="Courier New" panose="02070309020205020404" pitchFamily="49" charset="0"/>
+                <a:cs typeface="Courier New" panose="02070309020205020404" pitchFamily="49" charset="0"/>
+              </a:rPr>
+              <a:t>a</a:t>
+            </a:r>
+            <a:r>
+              <a:rPr lang="hu-HU" sz="2400" dirty="0" smtClean="0">
+                <a:solidFill>
+                  <a:schemeClr val="tx1"/>
+                </a:solidFill>
+                <a:latin typeface="Courier New" panose="02070309020205020404" pitchFamily="49" charset="0"/>
+                <a:cs typeface="Courier New" panose="02070309020205020404" pitchFamily="49" charset="0"/>
+              </a:rPr>
+              <a:t> ≠ </a:t>
             </a:r>
             <a:r>
               <a:rPr lang="hu-HU" sz="2400" i="1" dirty="0" smtClean="0">
